--- a/Презентация Конвертер форматов изображений.pptx
+++ b/Презентация Конвертер форматов изображений.pptx
@@ -2,8 +2,11 @@
 <file path=ppt/presentation.xml><?xml version="1.0" encoding="utf-8"?>
 <p:presentation xmlns:a="http://schemas.openxmlformats.org/drawingml/2006/main" xmlns:r="http://schemas.openxmlformats.org/officeDocument/2006/relationships" xmlns:p="http://schemas.openxmlformats.org/presentationml/2006/main" saveSubsetFonts="1">
   <p:sldMasterIdLst>
-    <p:sldMasterId id="2147483678" r:id="rId1"/>
+    <p:sldMasterId id="2147483714" r:id="rId1"/>
   </p:sldMasterIdLst>
+  <p:notesMasterIdLst>
+    <p:notesMasterId r:id="rId8"/>
+  </p:notesMasterIdLst>
   <p:sldIdLst>
     <p:sldId id="256" r:id="rId2"/>
     <p:sldId id="257" r:id="rId3"/>
@@ -117,6 +120,356 @@
 </p:presentation>
 </file>
 
+<file path=ppt/notesMasters/notesMaster1.xml><?xml version="1.0" encoding="utf-8"?>
+<p:notesMaster xmlns:a="http://schemas.openxmlformats.org/drawingml/2006/main" xmlns:r="http://schemas.openxmlformats.org/officeDocument/2006/relationships" xmlns:p="http://schemas.openxmlformats.org/presentationml/2006/main">
+  <p:cSld>
+    <p:bg>
+      <p:bgRef idx="1001">
+        <a:schemeClr val="bg1"/>
+      </p:bgRef>
+    </p:bg>
+    <p:spTree>
+      <p:nvGrpSpPr>
+        <p:cNvPr id="1" name=""/>
+        <p:cNvGrpSpPr/>
+        <p:nvPr/>
+      </p:nvGrpSpPr>
+      <p:grpSpPr>
+        <a:xfrm>
+          <a:off x="0" y="0"/>
+          <a:ext cx="0" cy="0"/>
+          <a:chOff x="0" y="0"/>
+          <a:chExt cx="0" cy="0"/>
+        </a:xfrm>
+      </p:grpSpPr>
+      <p:sp>
+        <p:nvSpPr>
+          <p:cNvPr id="2" name="Верхний колонтитул 1"/>
+          <p:cNvSpPr>
+            <a:spLocks noGrp="1"/>
+          </p:cNvSpPr>
+          <p:nvPr>
+            <p:ph type="hdr" sz="quarter"/>
+          </p:nvPr>
+        </p:nvSpPr>
+        <p:spPr>
+          <a:xfrm>
+            <a:off x="0" y="0"/>
+            <a:ext cx="2971800" cy="458788"/>
+          </a:xfrm>
+          <a:prstGeom prst="rect">
+            <a:avLst/>
+          </a:prstGeom>
+        </p:spPr>
+        <p:txBody>
+          <a:bodyPr vert="horz" lIns="91440" tIns="45720" rIns="91440" bIns="45720" rtlCol="0"/>
+          <a:lstStyle>
+            <a:lvl1pPr algn="l">
+              <a:defRPr sz="1200"/>
+            </a:lvl1pPr>
+          </a:lstStyle>
+          <a:p>
+            <a:endParaRPr lang="ru-RU"/>
+          </a:p>
+        </p:txBody>
+      </p:sp>
+      <p:sp>
+        <p:nvSpPr>
+          <p:cNvPr id="3" name="Дата 2"/>
+          <p:cNvSpPr>
+            <a:spLocks noGrp="1"/>
+          </p:cNvSpPr>
+          <p:nvPr>
+            <p:ph type="dt" idx="1"/>
+          </p:nvPr>
+        </p:nvSpPr>
+        <p:spPr>
+          <a:xfrm>
+            <a:off x="3884613" y="0"/>
+            <a:ext cx="2971800" cy="458788"/>
+          </a:xfrm>
+          <a:prstGeom prst="rect">
+            <a:avLst/>
+          </a:prstGeom>
+        </p:spPr>
+        <p:txBody>
+          <a:bodyPr vert="horz" lIns="91440" tIns="45720" rIns="91440" bIns="45720" rtlCol="0"/>
+          <a:lstStyle>
+            <a:lvl1pPr algn="r">
+              <a:defRPr sz="1200"/>
+            </a:lvl1pPr>
+          </a:lstStyle>
+          <a:p>
+            <a:fld id="{2FC02C5D-15B2-44CA-ACA5-38DABDAD314C}" type="datetimeFigureOut">
+              <a:rPr lang="ru-RU" smtClean="0"/>
+              <a:t>03.11.2022</a:t>
+            </a:fld>
+            <a:endParaRPr lang="ru-RU"/>
+          </a:p>
+        </p:txBody>
+      </p:sp>
+      <p:sp>
+        <p:nvSpPr>
+          <p:cNvPr id="4" name="Образ слайда 3"/>
+          <p:cNvSpPr>
+            <a:spLocks noGrp="1" noRot="1" noChangeAspect="1"/>
+          </p:cNvSpPr>
+          <p:nvPr>
+            <p:ph type="sldImg" idx="2"/>
+          </p:nvPr>
+        </p:nvSpPr>
+        <p:spPr>
+          <a:xfrm>
+            <a:off x="685800" y="1143000"/>
+            <a:ext cx="5486400" cy="3086100"/>
+          </a:xfrm>
+          <a:prstGeom prst="rect">
+            <a:avLst/>
+          </a:prstGeom>
+          <a:noFill/>
+          <a:ln w="12700">
+            <a:solidFill>
+              <a:prstClr val="black"/>
+            </a:solidFill>
+          </a:ln>
+        </p:spPr>
+        <p:txBody>
+          <a:bodyPr vert="horz" lIns="91440" tIns="45720" rIns="91440" bIns="45720" rtlCol="0" anchor="ctr"/>
+          <a:lstStyle/>
+          <a:p>
+            <a:endParaRPr lang="ru-RU"/>
+          </a:p>
+        </p:txBody>
+      </p:sp>
+      <p:sp>
+        <p:nvSpPr>
+          <p:cNvPr id="5" name="Заметки 4"/>
+          <p:cNvSpPr>
+            <a:spLocks noGrp="1"/>
+          </p:cNvSpPr>
+          <p:nvPr>
+            <p:ph type="body" sz="quarter" idx="3"/>
+          </p:nvPr>
+        </p:nvSpPr>
+        <p:spPr>
+          <a:xfrm>
+            <a:off x="685800" y="4400550"/>
+            <a:ext cx="5486400" cy="3600450"/>
+          </a:xfrm>
+          <a:prstGeom prst="rect">
+            <a:avLst/>
+          </a:prstGeom>
+        </p:spPr>
+        <p:txBody>
+          <a:bodyPr vert="horz" lIns="91440" tIns="45720" rIns="91440" bIns="45720" rtlCol="0"/>
+          <a:lstStyle/>
+          <a:p>
+            <a:pPr lvl="0"/>
+            <a:r>
+              <a:rPr lang="ru-RU" smtClean="0"/>
+              <a:t>Образец текста</a:t>
+            </a:r>
+          </a:p>
+          <a:p>
+            <a:pPr lvl="1"/>
+            <a:r>
+              <a:rPr lang="ru-RU" smtClean="0"/>
+              <a:t>Второй уровень</a:t>
+            </a:r>
+          </a:p>
+          <a:p>
+            <a:pPr lvl="2"/>
+            <a:r>
+              <a:rPr lang="ru-RU" smtClean="0"/>
+              <a:t>Третий уровень</a:t>
+            </a:r>
+          </a:p>
+          <a:p>
+            <a:pPr lvl="3"/>
+            <a:r>
+              <a:rPr lang="ru-RU" smtClean="0"/>
+              <a:t>Четвертый уровень</a:t>
+            </a:r>
+          </a:p>
+          <a:p>
+            <a:pPr lvl="4"/>
+            <a:r>
+              <a:rPr lang="ru-RU" smtClean="0"/>
+              <a:t>Пятый уровень</a:t>
+            </a:r>
+            <a:endParaRPr lang="ru-RU"/>
+          </a:p>
+        </p:txBody>
+      </p:sp>
+      <p:sp>
+        <p:nvSpPr>
+          <p:cNvPr id="6" name="Нижний колонтитул 5"/>
+          <p:cNvSpPr>
+            <a:spLocks noGrp="1"/>
+          </p:cNvSpPr>
+          <p:nvPr>
+            <p:ph type="ftr" sz="quarter" idx="4"/>
+          </p:nvPr>
+        </p:nvSpPr>
+        <p:spPr>
+          <a:xfrm>
+            <a:off x="0" y="8685213"/>
+            <a:ext cx="2971800" cy="458787"/>
+          </a:xfrm>
+          <a:prstGeom prst="rect">
+            <a:avLst/>
+          </a:prstGeom>
+        </p:spPr>
+        <p:txBody>
+          <a:bodyPr vert="horz" lIns="91440" tIns="45720" rIns="91440" bIns="45720" rtlCol="0" anchor="b"/>
+          <a:lstStyle>
+            <a:lvl1pPr algn="l">
+              <a:defRPr sz="1200"/>
+            </a:lvl1pPr>
+          </a:lstStyle>
+          <a:p>
+            <a:endParaRPr lang="ru-RU"/>
+          </a:p>
+        </p:txBody>
+      </p:sp>
+      <p:sp>
+        <p:nvSpPr>
+          <p:cNvPr id="7" name="Номер слайда 6"/>
+          <p:cNvSpPr>
+            <a:spLocks noGrp="1"/>
+          </p:cNvSpPr>
+          <p:nvPr>
+            <p:ph type="sldNum" sz="quarter" idx="5"/>
+          </p:nvPr>
+        </p:nvSpPr>
+        <p:spPr>
+          <a:xfrm>
+            <a:off x="3884613" y="8685213"/>
+            <a:ext cx="2971800" cy="458787"/>
+          </a:xfrm>
+          <a:prstGeom prst="rect">
+            <a:avLst/>
+          </a:prstGeom>
+        </p:spPr>
+        <p:txBody>
+          <a:bodyPr vert="horz" lIns="91440" tIns="45720" rIns="91440" bIns="45720" rtlCol="0" anchor="b"/>
+          <a:lstStyle>
+            <a:lvl1pPr algn="r">
+              <a:defRPr sz="1200"/>
+            </a:lvl1pPr>
+          </a:lstStyle>
+          <a:p>
+            <a:fld id="{586A8A34-36AD-4A26-BD99-363C6AB323F6}" type="slidenum">
+              <a:rPr lang="ru-RU" smtClean="0"/>
+              <a:t>‹#›</a:t>
+            </a:fld>
+            <a:endParaRPr lang="ru-RU"/>
+          </a:p>
+        </p:txBody>
+      </p:sp>
+    </p:spTree>
+    <p:extLst>
+      <p:ext uri="{BB962C8B-B14F-4D97-AF65-F5344CB8AC3E}">
+        <p14:creationId xmlns:p14="http://schemas.microsoft.com/office/powerpoint/2010/main" val="1599657265"/>
+      </p:ext>
+    </p:extLst>
+  </p:cSld>
+  <p:clrMap bg1="lt1" tx1="dk1" bg2="lt2" tx2="dk2" accent1="accent1" accent2="accent2" accent3="accent3" accent4="accent4" accent5="accent5" accent6="accent6" hlink="hlink" folHlink="folHlink"/>
+  <p:notesStyle>
+    <a:lvl1pPr marL="0" algn="l" defTabSz="914400" rtl="0" eaLnBrk="1" latinLnBrk="0" hangingPunct="1">
+      <a:defRPr sz="1200" kern="1200">
+        <a:solidFill>
+          <a:schemeClr val="tx1"/>
+        </a:solidFill>
+        <a:latin typeface="+mn-lt"/>
+        <a:ea typeface="+mn-ea"/>
+        <a:cs typeface="+mn-cs"/>
+      </a:defRPr>
+    </a:lvl1pPr>
+    <a:lvl2pPr marL="457200" algn="l" defTabSz="914400" rtl="0" eaLnBrk="1" latinLnBrk="0" hangingPunct="1">
+      <a:defRPr sz="1200" kern="1200">
+        <a:solidFill>
+          <a:schemeClr val="tx1"/>
+        </a:solidFill>
+        <a:latin typeface="+mn-lt"/>
+        <a:ea typeface="+mn-ea"/>
+        <a:cs typeface="+mn-cs"/>
+      </a:defRPr>
+    </a:lvl2pPr>
+    <a:lvl3pPr marL="914400" algn="l" defTabSz="914400" rtl="0" eaLnBrk="1" latinLnBrk="0" hangingPunct="1">
+      <a:defRPr sz="1200" kern="1200">
+        <a:solidFill>
+          <a:schemeClr val="tx1"/>
+        </a:solidFill>
+        <a:latin typeface="+mn-lt"/>
+        <a:ea typeface="+mn-ea"/>
+        <a:cs typeface="+mn-cs"/>
+      </a:defRPr>
+    </a:lvl3pPr>
+    <a:lvl4pPr marL="1371600" algn="l" defTabSz="914400" rtl="0" eaLnBrk="1" latinLnBrk="0" hangingPunct="1">
+      <a:defRPr sz="1200" kern="1200">
+        <a:solidFill>
+          <a:schemeClr val="tx1"/>
+        </a:solidFill>
+        <a:latin typeface="+mn-lt"/>
+        <a:ea typeface="+mn-ea"/>
+        <a:cs typeface="+mn-cs"/>
+      </a:defRPr>
+    </a:lvl4pPr>
+    <a:lvl5pPr marL="1828800" algn="l" defTabSz="914400" rtl="0" eaLnBrk="1" latinLnBrk="0" hangingPunct="1">
+      <a:defRPr sz="1200" kern="1200">
+        <a:solidFill>
+          <a:schemeClr val="tx1"/>
+        </a:solidFill>
+        <a:latin typeface="+mn-lt"/>
+        <a:ea typeface="+mn-ea"/>
+        <a:cs typeface="+mn-cs"/>
+      </a:defRPr>
+    </a:lvl5pPr>
+    <a:lvl6pPr marL="2286000" algn="l" defTabSz="914400" rtl="0" eaLnBrk="1" latinLnBrk="0" hangingPunct="1">
+      <a:defRPr sz="1200" kern="1200">
+        <a:solidFill>
+          <a:schemeClr val="tx1"/>
+        </a:solidFill>
+        <a:latin typeface="+mn-lt"/>
+        <a:ea typeface="+mn-ea"/>
+        <a:cs typeface="+mn-cs"/>
+      </a:defRPr>
+    </a:lvl6pPr>
+    <a:lvl7pPr marL="2743200" algn="l" defTabSz="914400" rtl="0" eaLnBrk="1" latinLnBrk="0" hangingPunct="1">
+      <a:defRPr sz="1200" kern="1200">
+        <a:solidFill>
+          <a:schemeClr val="tx1"/>
+        </a:solidFill>
+        <a:latin typeface="+mn-lt"/>
+        <a:ea typeface="+mn-ea"/>
+        <a:cs typeface="+mn-cs"/>
+      </a:defRPr>
+    </a:lvl7pPr>
+    <a:lvl8pPr marL="3200400" algn="l" defTabSz="914400" rtl="0" eaLnBrk="1" latinLnBrk="0" hangingPunct="1">
+      <a:defRPr sz="1200" kern="1200">
+        <a:solidFill>
+          <a:schemeClr val="tx1"/>
+        </a:solidFill>
+        <a:latin typeface="+mn-lt"/>
+        <a:ea typeface="+mn-ea"/>
+        <a:cs typeface="+mn-cs"/>
+      </a:defRPr>
+    </a:lvl8pPr>
+    <a:lvl9pPr marL="3657600" algn="l" defTabSz="914400" rtl="0" eaLnBrk="1" latinLnBrk="0" hangingPunct="1">
+      <a:defRPr sz="1200" kern="1200">
+        <a:solidFill>
+          <a:schemeClr val="tx1"/>
+        </a:solidFill>
+        <a:latin typeface="+mn-lt"/>
+        <a:ea typeface="+mn-ea"/>
+        <a:cs typeface="+mn-cs"/>
+      </a:defRPr>
+    </a:lvl9pPr>
+  </p:notesStyle>
+</p:notesMaster>
+</file>
+
 <file path=ppt/slideLayouts/slideLayout1.xml><?xml version="1.0" encoding="utf-8"?>
 <p:sldLayout xmlns:a="http://schemas.openxmlformats.org/drawingml/2006/main" xmlns:r="http://schemas.openxmlformats.org/officeDocument/2006/relationships" xmlns:p="http://schemas.openxmlformats.org/presentationml/2006/main" type="title" preserve="1">
   <p:cSld name="Титульный слайд">
@@ -159,20 +512,25 @@
               <a:defRPr sz="9600" b="0" spc="-300">
                 <a:gradFill flip="none" rotWithShape="1">
                   <a:gsLst>
+                    <a:gs pos="32000">
+                      <a:schemeClr val="tx1">
+                        <a:lumMod val="89000"/>
+                      </a:schemeClr>
+                    </a:gs>
                     <a:gs pos="0">
-                      <a:schemeClr val="tx1"/>
-                    </a:gs>
-                    <a:gs pos="68000">
-                      <a:srgbClr val="F1F1F1"/>
+                      <a:schemeClr val="bg1">
+                        <a:lumMod val="41000"/>
+                        <a:lumOff val="59000"/>
+                      </a:schemeClr>
                     </a:gs>
                     <a:gs pos="100000">
-                      <a:schemeClr val="bg1">
-                        <a:lumMod val="11000"/>
-                        <a:lumOff val="89000"/>
+                      <a:schemeClr val="tx2">
+                        <a:lumMod val="0"/>
+                        <a:lumOff val="100000"/>
                       </a:schemeClr>
                     </a:gs>
                   </a:gsLst>
-                  <a:lin ang="5400000" scaled="1"/>
+                  <a:lin ang="8100000" scaled="1"/>
                   <a:tileRect/>
                 </a:gradFill>
                 <a:effectLst>
@@ -182,13 +540,13 @@
                     </a:prstClr>
                   </a:outerShdw>
                 </a:effectLst>
+                <a:latin typeface="+mj-lt"/>
               </a:defRPr>
             </a:lvl1pPr>
           </a:lstStyle>
           <a:p>
-            <a:pPr lvl="0" algn="r"/>
-            <a:r>
-              <a:rPr lang="ru-RU" smtClean="0"/>
+            <a:r>
+              <a:rPr lang="ru-RU" dirty="0" smtClean="0"/>
               <a:t>Образец заголовка</a:t>
             </a:r>
             <a:endParaRPr lang="en-US" dirty="0"/>
@@ -212,7 +570,7 @@
           </a:xfrm>
         </p:spPr>
         <p:txBody>
-          <a:bodyPr vert="horz" lIns="91440" tIns="45720" rIns="91440" bIns="45720" rtlCol="0" anchor="b">
+          <a:bodyPr anchor="b">
             <a:normAutofit/>
           </a:bodyPr>
           <a:lstStyle>
@@ -249,11 +607,40 @@
                 <a:latin typeface="+mj-lt"/>
               </a:defRPr>
             </a:lvl1pPr>
+            <a:lvl2pPr marL="457200" indent="0" algn="ctr">
+              <a:buNone/>
+              <a:defRPr sz="2000"/>
+            </a:lvl2pPr>
+            <a:lvl3pPr marL="914400" indent="0" algn="ctr">
+              <a:buNone/>
+              <a:defRPr sz="1800"/>
+            </a:lvl3pPr>
+            <a:lvl4pPr marL="1371600" indent="0" algn="ctr">
+              <a:buNone/>
+              <a:defRPr sz="1600"/>
+            </a:lvl4pPr>
+            <a:lvl5pPr marL="1828800" indent="0" algn="ctr">
+              <a:buNone/>
+              <a:defRPr sz="1600"/>
+            </a:lvl5pPr>
+            <a:lvl6pPr marL="2286000" indent="0" algn="ctr">
+              <a:buNone/>
+              <a:defRPr sz="1600"/>
+            </a:lvl6pPr>
+            <a:lvl7pPr marL="2743200" indent="0" algn="ctr">
+              <a:buNone/>
+              <a:defRPr sz="1600"/>
+            </a:lvl7pPr>
+            <a:lvl8pPr marL="3200400" indent="0" algn="ctr">
+              <a:buNone/>
+              <a:defRPr sz="1600"/>
+            </a:lvl8pPr>
+            <a:lvl9pPr marL="3657600" indent="0" algn="ctr">
+              <a:buNone/>
+              <a:defRPr sz="1600"/>
+            </a:lvl9pPr>
           </a:lstStyle>
           <a:p>
-            <a:pPr marL="0" lvl="0" indent="0" algn="r">
-              <a:buNone/>
-            </a:pPr>
             <a:r>
               <a:rPr lang="ru-RU" smtClean="0"/>
               <a:t>Образец подзаголовка</a:t>
@@ -279,7 +666,7 @@
           <a:p>
             <a:fld id="{68D7C0D0-639C-47AA-A158-E222A7BFD106}" type="datetimeFigureOut">
               <a:rPr lang="ru-RU" smtClean="0"/>
-              <a:t>28.10.2022</a:t>
+              <a:t>02.11.2022</a:t>
             </a:fld>
             <a:endParaRPr lang="ru-RU"/>
           </a:p>
@@ -330,7 +717,7 @@
     </p:spTree>
     <p:extLst>
       <p:ext uri="{BB962C8B-B14F-4D97-AF65-F5344CB8AC3E}">
-        <p14:creationId xmlns:p14="http://schemas.microsoft.com/office/powerpoint/2010/main" val="114962798"/>
+        <p14:creationId xmlns:p14="http://schemas.microsoft.com/office/powerpoint/2010/main" val="1327052107"/>
       </p:ext>
     </p:extLst>
   </p:cSld>
@@ -560,7 +947,7 @@
           <a:p>
             <a:fld id="{68D7C0D0-639C-47AA-A158-E222A7BFD106}" type="datetimeFigureOut">
               <a:rPr lang="ru-RU" smtClean="0"/>
-              <a:t>28.10.2022</a:t>
+              <a:t>02.11.2022</a:t>
             </a:fld>
             <a:endParaRPr lang="ru-RU"/>
           </a:p>
@@ -611,7 +998,7 @@
     </p:spTree>
     <p:extLst>
       <p:ext uri="{BB962C8B-B14F-4D97-AF65-F5344CB8AC3E}">
-        <p14:creationId xmlns:p14="http://schemas.microsoft.com/office/powerpoint/2010/main" val="1623006702"/>
+        <p14:creationId xmlns:p14="http://schemas.microsoft.com/office/powerpoint/2010/main" val="3420531962"/>
       </p:ext>
     </p:extLst>
   </p:cSld>
@@ -752,7 +1139,7 @@
           <a:p>
             <a:fld id="{68D7C0D0-639C-47AA-A158-E222A7BFD106}" type="datetimeFigureOut">
               <a:rPr lang="ru-RU" smtClean="0"/>
-              <a:t>28.10.2022</a:t>
+              <a:t>02.11.2022</a:t>
             </a:fld>
             <a:endParaRPr lang="ru-RU"/>
           </a:p>
@@ -803,7 +1190,7 @@
     </p:spTree>
     <p:extLst>
       <p:ext uri="{BB962C8B-B14F-4D97-AF65-F5344CB8AC3E}">
-        <p14:creationId xmlns:p14="http://schemas.microsoft.com/office/powerpoint/2010/main" val="4038424194"/>
+        <p14:creationId xmlns:p14="http://schemas.microsoft.com/office/powerpoint/2010/main" val="148707526"/>
       </p:ext>
     </p:extLst>
   </p:cSld>
@@ -1013,7 +1400,7 @@
           <a:p>
             <a:fld id="{68D7C0D0-639C-47AA-A158-E222A7BFD106}" type="datetimeFigureOut">
               <a:rPr lang="ru-RU" smtClean="0"/>
-              <a:t>28.10.2022</a:t>
+              <a:t>02.11.2022</a:t>
             </a:fld>
             <a:endParaRPr lang="ru-RU"/>
           </a:p>
@@ -1296,7 +1683,7 @@
     </p:spTree>
     <p:extLst>
       <p:ext uri="{BB962C8B-B14F-4D97-AF65-F5344CB8AC3E}">
-        <p14:creationId xmlns:p14="http://schemas.microsoft.com/office/powerpoint/2010/main" val="1733721632"/>
+        <p14:creationId xmlns:p14="http://schemas.microsoft.com/office/powerpoint/2010/main" val="4059047943"/>
       </p:ext>
     </p:extLst>
   </p:cSld>
@@ -1439,7 +1826,7 @@
           <a:p>
             <a:fld id="{68D7C0D0-639C-47AA-A158-E222A7BFD106}" type="datetimeFigureOut">
               <a:rPr lang="ru-RU" smtClean="0"/>
-              <a:t>28.10.2022</a:t>
+              <a:t>02.11.2022</a:t>
             </a:fld>
             <a:endParaRPr lang="ru-RU"/>
           </a:p>
@@ -1490,7 +1877,7 @@
     </p:spTree>
     <p:extLst>
       <p:ext uri="{BB962C8B-B14F-4D97-AF65-F5344CB8AC3E}">
-        <p14:creationId xmlns:p14="http://schemas.microsoft.com/office/powerpoint/2010/main" val="3244610197"/>
+        <p14:creationId xmlns:p14="http://schemas.microsoft.com/office/powerpoint/2010/main" val="170051248"/>
       </p:ext>
     </p:extLst>
   </p:cSld>
@@ -1985,7 +2372,7 @@
           <a:p>
             <a:fld id="{68D7C0D0-639C-47AA-A158-E222A7BFD106}" type="datetimeFigureOut">
               <a:rPr lang="ru-RU" smtClean="0"/>
-              <a:t>28.10.2022</a:t>
+              <a:t>02.11.2022</a:t>
             </a:fld>
             <a:endParaRPr lang="ru-RU"/>
           </a:p>
@@ -2036,7 +2423,7 @@
     </p:spTree>
     <p:extLst>
       <p:ext uri="{BB962C8B-B14F-4D97-AF65-F5344CB8AC3E}">
-        <p14:creationId xmlns:p14="http://schemas.microsoft.com/office/powerpoint/2010/main" val="4278230216"/>
+        <p14:creationId xmlns:p14="http://schemas.microsoft.com/office/powerpoint/2010/main" val="186081029"/>
       </p:ext>
     </p:extLst>
   </p:cSld>
@@ -2816,7 +3203,7 @@
           <a:p>
             <a:fld id="{68D7C0D0-639C-47AA-A158-E222A7BFD106}" type="datetimeFigureOut">
               <a:rPr lang="ru-RU" smtClean="0"/>
-              <a:t>28.10.2022</a:t>
+              <a:t>02.11.2022</a:t>
             </a:fld>
             <a:endParaRPr lang="ru-RU"/>
           </a:p>
@@ -2867,7 +3254,7 @@
     </p:spTree>
     <p:extLst>
       <p:ext uri="{BB962C8B-B14F-4D97-AF65-F5344CB8AC3E}">
-        <p14:creationId xmlns:p14="http://schemas.microsoft.com/office/powerpoint/2010/main" val="4198711618"/>
+        <p14:creationId xmlns:p14="http://schemas.microsoft.com/office/powerpoint/2010/main" val="3550788350"/>
       </p:ext>
     </p:extLst>
   </p:cSld>
@@ -2986,7 +3373,7 @@
           <a:p>
             <a:fld id="{68D7C0D0-639C-47AA-A158-E222A7BFD106}" type="datetimeFigureOut">
               <a:rPr lang="ru-RU" smtClean="0"/>
-              <a:t>28.10.2022</a:t>
+              <a:t>02.11.2022</a:t>
             </a:fld>
             <a:endParaRPr lang="ru-RU"/>
           </a:p>
@@ -3037,7 +3424,7 @@
     </p:spTree>
     <p:extLst>
       <p:ext uri="{BB962C8B-B14F-4D97-AF65-F5344CB8AC3E}">
-        <p14:creationId xmlns:p14="http://schemas.microsoft.com/office/powerpoint/2010/main" val="2954131516"/>
+        <p14:creationId xmlns:p14="http://schemas.microsoft.com/office/powerpoint/2010/main" val="3418203098"/>
       </p:ext>
     </p:extLst>
   </p:cSld>
@@ -3166,7 +3553,7 @@
           <a:p>
             <a:fld id="{68D7C0D0-639C-47AA-A158-E222A7BFD106}" type="datetimeFigureOut">
               <a:rPr lang="ru-RU" smtClean="0"/>
-              <a:t>28.10.2022</a:t>
+              <a:t>02.11.2022</a:t>
             </a:fld>
             <a:endParaRPr lang="ru-RU"/>
           </a:p>
@@ -3217,7 +3604,7 @@
     </p:spTree>
     <p:extLst>
       <p:ext uri="{BB962C8B-B14F-4D97-AF65-F5344CB8AC3E}">
-        <p14:creationId xmlns:p14="http://schemas.microsoft.com/office/powerpoint/2010/main" val="2745881328"/>
+        <p14:creationId xmlns:p14="http://schemas.microsoft.com/office/powerpoint/2010/main" val="2091053184"/>
       </p:ext>
     </p:extLst>
   </p:cSld>
@@ -3336,7 +3723,7 @@
           <a:p>
             <a:fld id="{68D7C0D0-639C-47AA-A158-E222A7BFD106}" type="datetimeFigureOut">
               <a:rPr lang="ru-RU" smtClean="0"/>
-              <a:t>28.10.2022</a:t>
+              <a:t>02.11.2022</a:t>
             </a:fld>
             <a:endParaRPr lang="ru-RU"/>
           </a:p>
@@ -3387,7 +3774,7 @@
     </p:spTree>
     <p:extLst>
       <p:ext uri="{BB962C8B-B14F-4D97-AF65-F5344CB8AC3E}">
-        <p14:creationId xmlns:p14="http://schemas.microsoft.com/office/powerpoint/2010/main" val="3039556950"/>
+        <p14:creationId xmlns:p14="http://schemas.microsoft.com/office/powerpoint/2010/main" val="2173133140"/>
       </p:ext>
     </p:extLst>
   </p:cSld>
@@ -3446,8 +3833,8 @@
                     </a:gs>
                     <a:gs pos="0">
                       <a:schemeClr val="bg1">
-                        <a:lumMod val="32000"/>
-                        <a:lumOff val="68000"/>
+                        <a:lumMod val="47000"/>
+                        <a:lumOff val="53000"/>
                       </a:schemeClr>
                     </a:gs>
                     <a:gs pos="100000">
@@ -3593,7 +3980,7 @@
           <a:p>
             <a:fld id="{68D7C0D0-639C-47AA-A158-E222A7BFD106}" type="datetimeFigureOut">
               <a:rPr lang="ru-RU" smtClean="0"/>
-              <a:t>28.10.2022</a:t>
+              <a:t>02.11.2022</a:t>
             </a:fld>
             <a:endParaRPr lang="ru-RU"/>
           </a:p>
@@ -3644,7 +4031,7 @@
     </p:spTree>
     <p:extLst>
       <p:ext uri="{BB962C8B-B14F-4D97-AF65-F5344CB8AC3E}">
-        <p14:creationId xmlns:p14="http://schemas.microsoft.com/office/powerpoint/2010/main" val="2593736411"/>
+        <p14:creationId xmlns:p14="http://schemas.microsoft.com/office/powerpoint/2010/main" val="1129605704"/>
       </p:ext>
     </p:extLst>
   </p:cSld>
@@ -3825,7 +4212,7 @@
           <a:p>
             <a:fld id="{68D7C0D0-639C-47AA-A158-E222A7BFD106}" type="datetimeFigureOut">
               <a:rPr lang="ru-RU" smtClean="0"/>
-              <a:t>28.10.2022</a:t>
+              <a:t>02.11.2022</a:t>
             </a:fld>
             <a:endParaRPr lang="ru-RU"/>
           </a:p>
@@ -3876,7 +4263,7 @@
     </p:spTree>
     <p:extLst>
       <p:ext uri="{BB962C8B-B14F-4D97-AF65-F5344CB8AC3E}">
-        <p14:creationId xmlns:p14="http://schemas.microsoft.com/office/powerpoint/2010/main" val="342466496"/>
+        <p14:creationId xmlns:p14="http://schemas.microsoft.com/office/powerpoint/2010/main" val="3104978480"/>
       </p:ext>
     </p:extLst>
   </p:cSld>
@@ -4218,7 +4605,7 @@
           <a:p>
             <a:fld id="{68D7C0D0-639C-47AA-A158-E222A7BFD106}" type="datetimeFigureOut">
               <a:rPr lang="ru-RU" smtClean="0"/>
-              <a:t>28.10.2022</a:t>
+              <a:t>02.11.2022</a:t>
             </a:fld>
             <a:endParaRPr lang="ru-RU"/>
           </a:p>
@@ -4269,7 +4656,7 @@
     </p:spTree>
     <p:extLst>
       <p:ext uri="{BB962C8B-B14F-4D97-AF65-F5344CB8AC3E}">
-        <p14:creationId xmlns:p14="http://schemas.microsoft.com/office/powerpoint/2010/main" val="1499680661"/>
+        <p14:creationId xmlns:p14="http://schemas.microsoft.com/office/powerpoint/2010/main" val="4182848661"/>
       </p:ext>
     </p:extLst>
   </p:cSld>
@@ -4336,7 +4723,7 @@
           <a:p>
             <a:fld id="{68D7C0D0-639C-47AA-A158-E222A7BFD106}" type="datetimeFigureOut">
               <a:rPr lang="ru-RU" smtClean="0"/>
-              <a:t>28.10.2022</a:t>
+              <a:t>02.11.2022</a:t>
             </a:fld>
             <a:endParaRPr lang="ru-RU"/>
           </a:p>
@@ -4387,7 +4774,7 @@
     </p:spTree>
     <p:extLst>
       <p:ext uri="{BB962C8B-B14F-4D97-AF65-F5344CB8AC3E}">
-        <p14:creationId xmlns:p14="http://schemas.microsoft.com/office/powerpoint/2010/main" val="492089437"/>
+        <p14:creationId xmlns:p14="http://schemas.microsoft.com/office/powerpoint/2010/main" val="1200448204"/>
       </p:ext>
     </p:extLst>
   </p:cSld>
@@ -4431,7 +4818,7 @@
           <a:p>
             <a:fld id="{68D7C0D0-639C-47AA-A158-E222A7BFD106}" type="datetimeFigureOut">
               <a:rPr lang="ru-RU" smtClean="0"/>
-              <a:t>28.10.2022</a:t>
+              <a:t>02.11.2022</a:t>
             </a:fld>
             <a:endParaRPr lang="ru-RU"/>
           </a:p>
@@ -4482,7 +4869,7 @@
     </p:spTree>
     <p:extLst>
       <p:ext uri="{BB962C8B-B14F-4D97-AF65-F5344CB8AC3E}">
-        <p14:creationId xmlns:p14="http://schemas.microsoft.com/office/powerpoint/2010/main" val="680621687"/>
+        <p14:creationId xmlns:p14="http://schemas.microsoft.com/office/powerpoint/2010/main" val="3204302617"/>
       </p:ext>
     </p:extLst>
   </p:cSld>
@@ -4704,7 +5091,7 @@
           <a:p>
             <a:fld id="{68D7C0D0-639C-47AA-A158-E222A7BFD106}" type="datetimeFigureOut">
               <a:rPr lang="ru-RU" smtClean="0"/>
-              <a:t>28.10.2022</a:t>
+              <a:t>02.11.2022</a:t>
             </a:fld>
             <a:endParaRPr lang="ru-RU"/>
           </a:p>
@@ -4755,7 +5142,7 @@
     </p:spTree>
     <p:extLst>
       <p:ext uri="{BB962C8B-B14F-4D97-AF65-F5344CB8AC3E}">
-        <p14:creationId xmlns:p14="http://schemas.microsoft.com/office/powerpoint/2010/main" val="2735656438"/>
+        <p14:creationId xmlns:p14="http://schemas.microsoft.com/office/powerpoint/2010/main" val="706034750"/>
       </p:ext>
     </p:extLst>
   </p:cSld>
@@ -4985,7 +5372,7 @@
           <a:p>
             <a:fld id="{68D7C0D0-639C-47AA-A158-E222A7BFD106}" type="datetimeFigureOut">
               <a:rPr lang="ru-RU" smtClean="0"/>
-              <a:t>28.10.2022</a:t>
+              <a:t>02.11.2022</a:t>
             </a:fld>
             <a:endParaRPr lang="ru-RU"/>
           </a:p>
@@ -5036,7 +5423,7 @@
     </p:spTree>
     <p:extLst>
       <p:ext uri="{BB962C8B-B14F-4D97-AF65-F5344CB8AC3E}">
-        <p14:creationId xmlns:p14="http://schemas.microsoft.com/office/powerpoint/2010/main" val="3863841703"/>
+        <p14:creationId xmlns:p14="http://schemas.microsoft.com/office/powerpoint/2010/main" val="2769190451"/>
       </p:ext>
     </p:extLst>
   </p:cSld>
@@ -5225,7 +5612,7 @@
           <a:p>
             <a:fld id="{68D7C0D0-639C-47AA-A158-E222A7BFD106}" type="datetimeFigureOut">
               <a:rPr lang="ru-RU" smtClean="0"/>
-              <a:t>28.10.2022</a:t>
+              <a:t>02.11.2022</a:t>
             </a:fld>
             <a:endParaRPr lang="ru-RU"/>
           </a:p>
@@ -5348,29 +5735,29 @@
     </p:spTree>
     <p:extLst>
       <p:ext uri="{BB962C8B-B14F-4D97-AF65-F5344CB8AC3E}">
-        <p14:creationId xmlns:p14="http://schemas.microsoft.com/office/powerpoint/2010/main" val="3758922005"/>
+        <p14:creationId xmlns:p14="http://schemas.microsoft.com/office/powerpoint/2010/main" val="2051328122"/>
       </p:ext>
     </p:extLst>
   </p:cSld>
   <p:clrMap bg1="dk1" tx1="lt1" bg2="dk2" tx2="lt2" accent1="accent1" accent2="accent2" accent3="accent3" accent4="accent4" accent5="accent5" accent6="accent6" hlink="hlink" folHlink="folHlink"/>
   <p:sldLayoutIdLst>
-    <p:sldLayoutId id="2147483679" r:id="rId1"/>
-    <p:sldLayoutId id="2147483680" r:id="rId2"/>
-    <p:sldLayoutId id="2147483681" r:id="rId3"/>
-    <p:sldLayoutId id="2147483682" r:id="rId4"/>
-    <p:sldLayoutId id="2147483683" r:id="rId5"/>
-    <p:sldLayoutId id="2147483684" r:id="rId6"/>
-    <p:sldLayoutId id="2147483685" r:id="rId7"/>
-    <p:sldLayoutId id="2147483686" r:id="rId8"/>
-    <p:sldLayoutId id="2147483687" r:id="rId9"/>
-    <p:sldLayoutId id="2147483688" r:id="rId10"/>
-    <p:sldLayoutId id="2147483689" r:id="rId11"/>
-    <p:sldLayoutId id="2147483690" r:id="rId12"/>
-    <p:sldLayoutId id="2147483691" r:id="rId13"/>
-    <p:sldLayoutId id="2147483692" r:id="rId14"/>
-    <p:sldLayoutId id="2147483693" r:id="rId15"/>
-    <p:sldLayoutId id="2147483694" r:id="rId16"/>
-    <p:sldLayoutId id="2147483695" r:id="rId17"/>
+    <p:sldLayoutId id="2147483715" r:id="rId1"/>
+    <p:sldLayoutId id="2147483716" r:id="rId2"/>
+    <p:sldLayoutId id="2147483717" r:id="rId3"/>
+    <p:sldLayoutId id="2147483718" r:id="rId4"/>
+    <p:sldLayoutId id="2147483719" r:id="rId5"/>
+    <p:sldLayoutId id="2147483720" r:id="rId6"/>
+    <p:sldLayoutId id="2147483721" r:id="rId7"/>
+    <p:sldLayoutId id="2147483722" r:id="rId8"/>
+    <p:sldLayoutId id="2147483723" r:id="rId9"/>
+    <p:sldLayoutId id="2147483724" r:id="rId10"/>
+    <p:sldLayoutId id="2147483725" r:id="rId11"/>
+    <p:sldLayoutId id="2147483726" r:id="rId12"/>
+    <p:sldLayoutId id="2147483727" r:id="rId13"/>
+    <p:sldLayoutId id="2147483728" r:id="rId14"/>
+    <p:sldLayoutId id="2147483729" r:id="rId15"/>
+    <p:sldLayoutId id="2147483730" r:id="rId16"/>
+    <p:sldLayoutId id="2147483731" r:id="rId17"/>
   </p:sldLayoutIdLst>
   <p:txStyles>
     <p:titleStyle>
@@ -5392,8 +5779,8 @@
               </a:gs>
               <a:gs pos="0">
                 <a:schemeClr val="bg1">
-                  <a:lumMod val="13000"/>
-                  <a:lumOff val="87000"/>
+                  <a:lumMod val="25000"/>
+                  <a:lumOff val="75000"/>
                 </a:schemeClr>
               </a:gs>
               <a:gs pos="100000">
@@ -5432,8 +5819,8 @@
               </a:gs>
               <a:gs pos="0">
                 <a:schemeClr val="bg1">
-                  <a:lumMod val="13000"/>
-                  <a:lumOff val="87000"/>
+                  <a:lumMod val="25000"/>
+                  <a:lumOff val="75000"/>
                 </a:schemeClr>
               </a:gs>
               <a:gs pos="100000">
@@ -5469,8 +5856,8 @@
               </a:gs>
               <a:gs pos="0">
                 <a:schemeClr val="bg1">
-                  <a:lumMod val="13000"/>
-                  <a:lumOff val="87000"/>
+                  <a:lumMod val="25000"/>
+                  <a:lumOff val="75000"/>
                 </a:schemeClr>
               </a:gs>
               <a:gs pos="100000">
@@ -5506,8 +5893,8 @@
               </a:gs>
               <a:gs pos="0">
                 <a:schemeClr val="bg1">
-                  <a:lumMod val="13000"/>
-                  <a:lumOff val="87000"/>
+                  <a:lumMod val="25000"/>
+                  <a:lumOff val="75000"/>
                 </a:schemeClr>
               </a:gs>
               <a:gs pos="100000">
@@ -5543,8 +5930,8 @@
               </a:gs>
               <a:gs pos="0">
                 <a:schemeClr val="bg1">
-                  <a:lumMod val="13000"/>
-                  <a:lumOff val="87000"/>
+                  <a:lumMod val="25000"/>
+                  <a:lumOff val="75000"/>
                 </a:schemeClr>
               </a:gs>
               <a:gs pos="100000">
@@ -5580,8 +5967,8 @@
               </a:gs>
               <a:gs pos="0">
                 <a:schemeClr val="bg1">
-                  <a:lumMod val="13000"/>
-                  <a:lumOff val="87000"/>
+                  <a:lumMod val="25000"/>
+                  <a:lumOff val="75000"/>
                 </a:schemeClr>
               </a:gs>
               <a:gs pos="100000">
@@ -5863,6 +6250,13 @@
   <p:clrMapOvr>
     <a:masterClrMapping/>
   </p:clrMapOvr>
+  <p:timing>
+    <p:tnLst>
+      <p:par>
+        <p:cTn id="1" dur="indefinite" restart="never" nodeType="tmRoot"/>
+      </p:par>
+    </p:tnLst>
+  </p:timing>
 </p:sld>
 </file>
 
@@ -5893,7 +6287,12 @@
             <p:ph type="title"/>
           </p:nvPr>
         </p:nvSpPr>
-        <p:spPr/>
+        <p:spPr>
+          <a:xfrm>
+            <a:off x="838200" y="751987"/>
+            <a:ext cx="10515600" cy="1325563"/>
+          </a:xfrm>
+        </p:spPr>
         <p:txBody>
           <a:bodyPr>
             <a:normAutofit fontScale="90000"/>
@@ -5918,7 +6317,12 @@
             <p:ph idx="1"/>
           </p:nvPr>
         </p:nvSpPr>
-        <p:spPr/>
+        <p:spPr>
+          <a:xfrm>
+            <a:off x="1120000" y="2874841"/>
+            <a:ext cx="10233800" cy="4351338"/>
+          </a:xfrm>
+        </p:spPr>
         <p:txBody>
           <a:bodyPr/>
           <a:lstStyle/>
@@ -5928,15 +6332,19 @@
             </a:pPr>
             <a:r>
               <a:rPr lang="ru-RU" dirty="0" smtClean="0"/>
-              <a:t>Данное приложение </a:t>
+              <a:t>Данное приложение предназначено </a:t>
+            </a:r>
+            <a:r>
+              <a:rPr lang="ru-RU" dirty="0"/>
+              <a:t>для </a:t>
             </a:r>
             <a:r>
               <a:rPr lang="ru-RU" dirty="0" smtClean="0"/>
-              <a:t>предназначено </a:t>
+              <a:t>изменения </a:t>
             </a:r>
             <a:r>
               <a:rPr lang="ru-RU" dirty="0"/>
-              <a:t>для изменения форматов </a:t>
+              <a:t>форматов </a:t>
             </a:r>
             <a:r>
               <a:rPr lang="ru-RU" dirty="0" smtClean="0"/>
@@ -5962,6 +6370,13 @@
   <p:clrMapOvr>
     <a:masterClrMapping/>
   </p:clrMapOvr>
+  <p:timing>
+    <p:tnLst>
+      <p:par>
+        <p:cTn id="1" dur="indefinite" restart="never" nodeType="tmRoot"/>
+      </p:par>
+    </p:tnLst>
+  </p:timing>
 </p:sld>
 </file>
 
@@ -5992,7 +6407,12 @@
             <p:ph type="title"/>
           </p:nvPr>
         </p:nvSpPr>
-        <p:spPr/>
+        <p:spPr>
+          <a:xfrm>
+            <a:off x="838200" y="1056786"/>
+            <a:ext cx="10515600" cy="1325563"/>
+          </a:xfrm>
+        </p:spPr>
         <p:txBody>
           <a:bodyPr>
             <a:normAutofit fontScale="90000"/>
@@ -6017,96 +6437,17 @@
             <p:ph idx="1"/>
           </p:nvPr>
         </p:nvSpPr>
-        <p:spPr/>
-        <p:txBody>
-          <a:bodyPr/>
-          <a:lstStyle/>
-          <a:p>
-            <a:pPr marL="0" indent="0">
-              <a:buNone/>
-            </a:pPr>
-            <a:r>
-              <a:rPr lang="ru-RU" dirty="0"/>
-              <a:t>Для конвертации доступны изображения форматов </a:t>
-            </a:r>
-            <a:r>
-              <a:rPr lang="ru-RU" dirty="0" err="1"/>
-              <a:t>png</a:t>
-            </a:r>
-            <a:r>
-              <a:rPr lang="ru-RU" dirty="0"/>
-              <a:t>, </a:t>
-            </a:r>
-            <a:r>
-              <a:rPr lang="ru-RU" dirty="0" err="1"/>
-              <a:t>jpg</a:t>
-            </a:r>
-            <a:r>
-              <a:rPr lang="ru-RU" dirty="0"/>
-              <a:t>, </a:t>
-            </a:r>
-            <a:r>
-              <a:rPr lang="ru-RU" dirty="0" err="1"/>
-              <a:t>webp</a:t>
-            </a:r>
-            <a:r>
-              <a:rPr lang="ru-RU" dirty="0"/>
-              <a:t>, </a:t>
-            </a:r>
-            <a:r>
-              <a:rPr lang="ru-RU" dirty="0" err="1" smtClean="0"/>
-              <a:t>svg</a:t>
-            </a:r>
-            <a:r>
-              <a:rPr lang="en-US" dirty="0" smtClean="0"/>
-              <a:t>, bm</a:t>
-            </a:r>
-            <a:r>
-              <a:rPr lang="en-US" dirty="0" smtClean="0"/>
-              <a:t>p, </a:t>
-            </a:r>
-            <a:r>
-              <a:rPr lang="en-US" dirty="0" err="1" smtClean="0"/>
-              <a:t>ascii</a:t>
-            </a:r>
-            <a:r>
-              <a:rPr lang="ru-RU" dirty="0" smtClean="0"/>
-              <a:t>. </a:t>
-            </a:r>
-            <a:r>
-              <a:rPr lang="ru-RU" dirty="0"/>
-              <a:t>Каждый из этих </a:t>
-            </a:r>
-            <a:r>
-              <a:rPr lang="ru-RU" dirty="0" smtClean="0"/>
-              <a:t>форматов изображений </a:t>
-            </a:r>
-            <a:r>
-              <a:rPr lang="ru-RU" dirty="0"/>
-              <a:t>можно конвертировать в любой другой </a:t>
-            </a:r>
-            <a:r>
-              <a:rPr lang="ru-RU" dirty="0" smtClean="0"/>
-              <a:t>из предложенных</a:t>
-            </a:r>
-            <a:r>
-              <a:rPr lang="en-US" dirty="0" smtClean="0"/>
-              <a:t>, </a:t>
-            </a:r>
-            <a:r>
-              <a:rPr lang="ru-RU" dirty="0" smtClean="0"/>
-              <a:t>кроме </a:t>
-            </a:r>
-            <a:r>
-              <a:rPr lang="en-US" dirty="0" err="1" smtClean="0"/>
-              <a:t>ascii</a:t>
-            </a:r>
-            <a:r>
-              <a:rPr lang="en-US" dirty="0" smtClean="0"/>
-              <a:t>.</a:t>
-            </a:r>
-            <a:endParaRPr lang="ru-RU" dirty="0"/>
-          </a:p>
+        <p:spPr>
+          <a:xfrm>
+            <a:off x="838200" y="2763471"/>
+            <a:ext cx="10233800" cy="3004283"/>
+          </a:xfrm>
+        </p:spPr>
+        <p:txBody>
+          <a:bodyPr>
+            <a:normAutofit lnSpcReduction="10000"/>
+          </a:bodyPr>
+          <a:lstStyle/>
           <a:p>
             <a:pPr marL="0" indent="0">
               <a:buNone/>
@@ -6117,19 +6458,111 @@
             <a:pPr marL="0" indent="0">
               <a:buNone/>
             </a:pPr>
+            <a:endParaRPr lang="ru-RU" dirty="0"/>
+          </a:p>
+          <a:p>
+            <a:r>
+              <a:rPr lang="en-US" dirty="0"/>
+              <a:t>Input formats: </a:t>
+            </a:r>
+            <a:r>
+              <a:rPr lang="en-US" dirty="0" err="1"/>
+              <a:t>png</a:t>
+            </a:r>
+            <a:r>
+              <a:rPr lang="en-US" dirty="0"/>
+              <a:t>, jpg, </a:t>
+            </a:r>
+            <a:r>
+              <a:rPr lang="en-US" dirty="0" err="1"/>
+              <a:t>webp</a:t>
+            </a:r>
+            <a:r>
+              <a:rPr lang="en-US" dirty="0"/>
+              <a:t>, </a:t>
+            </a:r>
+            <a:r>
+              <a:rPr lang="en-US" dirty="0" err="1"/>
+              <a:t>svg</a:t>
+            </a:r>
+            <a:r>
+              <a:rPr lang="en-US" dirty="0"/>
+              <a:t>, </a:t>
+            </a:r>
+            <a:r>
+              <a:rPr lang="en-US" dirty="0" smtClean="0"/>
+              <a:t>bmp</a:t>
+            </a:r>
+            <a:endParaRPr lang="ru-RU" dirty="0" smtClean="0"/>
+          </a:p>
+          <a:p>
+            <a:r>
+              <a:rPr lang="en-US" dirty="0" smtClean="0"/>
+              <a:t>Output </a:t>
+            </a:r>
+            <a:r>
+              <a:rPr lang="en-US" dirty="0"/>
+              <a:t>formats: </a:t>
+            </a:r>
+            <a:r>
+              <a:rPr lang="en-US" dirty="0" err="1"/>
+              <a:t>png</a:t>
+            </a:r>
+            <a:r>
+              <a:rPr lang="en-US" dirty="0"/>
+              <a:t>, jpg, </a:t>
+            </a:r>
+            <a:r>
+              <a:rPr lang="en-US" dirty="0" err="1"/>
+              <a:t>webp</a:t>
+            </a:r>
+            <a:r>
+              <a:rPr lang="en-US" dirty="0"/>
+              <a:t>, bmp, </a:t>
+            </a:r>
+            <a:r>
+              <a:rPr lang="en-US" dirty="0" err="1"/>
+              <a:t>ascii</a:t>
+            </a:r>
+            <a:endParaRPr lang="en-US" dirty="0"/>
+          </a:p>
+          <a:p>
+            <a:pPr marL="0" indent="0">
+              <a:buNone/>
+            </a:pPr>
+            <a:r>
+              <a:rPr lang="en-US" dirty="0"/>
+              <a:t/>
+            </a:r>
+            <a:br>
+              <a:rPr lang="en-US" dirty="0"/>
+            </a:br>
             <a:r>
               <a:rPr lang="ru-RU" dirty="0" smtClean="0"/>
-              <a:t>*</a:t>
-            </a:r>
-            <a:r>
-              <a:rPr lang="ru-RU" dirty="0" err="1" smtClean="0"/>
-              <a:t>схемка</a:t>
-            </a:r>
-            <a:r>
-              <a:rPr lang="ru-RU" dirty="0" smtClean="0"/>
-              <a:t> где графически изображены предлагаемые форматы*</a:t>
-            </a:r>
-            <a:endParaRPr lang="ru-RU" dirty="0"/>
+              <a:t>Приложение </a:t>
+            </a:r>
+            <a:r>
+              <a:rPr lang="ru-RU" dirty="0"/>
+              <a:t>позволяет конвертировать изображение формата "</a:t>
+            </a:r>
+            <a:r>
+              <a:rPr lang="en-US" dirty="0"/>
+              <a:t>Input formats" </a:t>
+            </a:r>
+            <a:r>
+              <a:rPr lang="ru-RU" dirty="0"/>
+              <a:t>в любой формат "</a:t>
+            </a:r>
+            <a:r>
+              <a:rPr lang="en-US" dirty="0"/>
+              <a:t>Output formats"</a:t>
+            </a:r>
+          </a:p>
+          <a:p>
+            <a:pPr marL="0" indent="0">
+              <a:buNone/>
+            </a:pPr>
+            <a:endParaRPr lang="ru-RU" dirty="0" smtClean="0"/>
           </a:p>
         </p:txBody>
       </p:sp>
@@ -6143,6 +6576,13 @@
   <p:clrMapOvr>
     <a:masterClrMapping/>
   </p:clrMapOvr>
+  <p:timing>
+    <p:tnLst>
+      <p:par>
+        <p:cTn id="1" dur="indefinite" restart="never" nodeType="tmRoot"/>
+      </p:par>
+    </p:tnLst>
+  </p:timing>
 </p:sld>
 </file>
 
@@ -6198,7 +6638,12 @@
             <p:ph idx="1"/>
           </p:nvPr>
         </p:nvSpPr>
-        <p:spPr/>
+        <p:spPr>
+          <a:xfrm>
+            <a:off x="1120000" y="2851394"/>
+            <a:ext cx="10233800" cy="4351338"/>
+          </a:xfrm>
+        </p:spPr>
         <p:txBody>
           <a:bodyPr/>
           <a:lstStyle/>
@@ -6229,6 +6674,13 @@
   <p:clrMapOvr>
     <a:masterClrMapping/>
   </p:clrMapOvr>
+  <p:timing>
+    <p:tnLst>
+      <p:par>
+        <p:cTn id="1" dur="indefinite" restart="never" nodeType="tmRoot"/>
+      </p:par>
+    </p:tnLst>
+  </p:timing>
 </p:sld>
 </file>
 
@@ -6259,22 +6711,23 @@
             <p:ph type="title"/>
           </p:nvPr>
         </p:nvSpPr>
-        <p:spPr/>
+        <p:spPr>
+          <a:xfrm>
+            <a:off x="838200" y="599587"/>
+            <a:ext cx="10515600" cy="1325563"/>
+          </a:xfrm>
+        </p:spPr>
         <p:txBody>
           <a:bodyPr>
-            <a:normAutofit fontScale="90000"/>
+            <a:noAutofit/>
           </a:bodyPr>
           <a:lstStyle/>
           <a:p>
             <a:r>
-              <a:rPr lang="ru-RU" sz="3600" b="1" dirty="0" smtClean="0"/>
-              <a:t>Для создания данного приложение были использованы следующие </a:t>
-            </a:r>
-            <a:r>
-              <a:rPr lang="ru-RU" sz="3600" b="1" dirty="0" smtClean="0"/>
-              <a:t>технологии и библиотеки:</a:t>
-            </a:r>
-            <a:endParaRPr lang="ru-RU" sz="3600" b="1" dirty="0"/>
+              <a:rPr lang="ru-RU" sz="4000" b="1" dirty="0" smtClean="0"/>
+              <a:t>Для создания данного приложение были использованы следующие технологии и библиотеки:</a:t>
+            </a:r>
+            <a:endParaRPr lang="ru-RU" sz="4000" b="1" dirty="0"/>
           </a:p>
         </p:txBody>
       </p:sp>
@@ -6288,124 +6741,180 @@
             <p:ph idx="1"/>
           </p:nvPr>
         </p:nvSpPr>
-        <p:spPr/>
+        <p:spPr>
+          <a:xfrm>
+            <a:off x="1119999" y="2412877"/>
+            <a:ext cx="10421369" cy="4351338"/>
+          </a:xfrm>
+        </p:spPr>
         <p:txBody>
           <a:bodyPr>
-            <a:normAutofit lnSpcReduction="10000"/>
+            <a:normAutofit/>
           </a:bodyPr>
           <a:lstStyle/>
           <a:p>
             <a:r>
-              <a:rPr lang="en-US" sz="2600" dirty="0" smtClean="0"/>
-              <a:t>PyQt6 </a:t>
-            </a:r>
-            <a:r>
-              <a:rPr lang="ru-RU" sz="2600" dirty="0" smtClean="0"/>
-              <a:t>- </a:t>
-            </a:r>
-            <a:r>
-              <a:rPr lang="ru-RU" sz="2600" dirty="0"/>
-              <a:t>набор расширений </a:t>
-            </a:r>
-            <a:r>
-              <a:rPr lang="ru-RU" sz="2600" dirty="0" smtClean="0"/>
-              <a:t>графического</a:t>
-            </a:r>
-            <a:r>
-              <a:rPr lang="ru-RU" sz="2600" dirty="0"/>
-              <a:t> фреймворка Qt для языка программирования Python</a:t>
-            </a:r>
-            <a:endParaRPr lang="en-US" sz="2600" dirty="0"/>
-          </a:p>
-          <a:p>
-            <a:r>
-              <a:rPr lang="en-US" sz="2600" dirty="0" smtClean="0"/>
-              <a:t>PIL – </a:t>
-            </a:r>
-            <a:r>
-              <a:rPr lang="ru-RU" sz="2600" dirty="0" smtClean="0"/>
+              <a:rPr lang="en-US" dirty="0" smtClean="0">
+                <a:latin typeface="+mj-lt"/>
+              </a:rPr>
+              <a:t>PyQt6 – </a:t>
+            </a:r>
+            <a:r>
+              <a:rPr lang="ru-RU" sz="2400" dirty="0" smtClean="0">
+                <a:latin typeface="+mj-lt"/>
+              </a:rPr>
+              <a:t>это </a:t>
+            </a:r>
+            <a:r>
+              <a:rPr lang="ru-RU" sz="2400" dirty="0">
+                <a:latin typeface="+mj-lt"/>
+              </a:rPr>
               <a:t>библиотека </a:t>
             </a:r>
             <a:r>
-              <a:rPr lang="ru-RU" sz="2600" dirty="0"/>
-              <a:t>языка Python, предназначенная для работы с растровой графикой</a:t>
-            </a:r>
-            <a:endParaRPr lang="en-US" sz="2600" dirty="0"/>
-          </a:p>
-          <a:p>
-            <a:r>
-              <a:rPr lang="en-US" sz="2600" dirty="0" err="1" smtClean="0"/>
+              <a:rPr lang="ru-RU" sz="2400" dirty="0" err="1">
+                <a:latin typeface="+mj-lt"/>
+              </a:rPr>
+              <a:t>Python</a:t>
+            </a:r>
+            <a:r>
+              <a:rPr lang="ru-RU" sz="2400" dirty="0">
+                <a:latin typeface="+mj-lt"/>
+              </a:rPr>
+              <a:t> для создания приложений с графическим интерфейсом с помощью инструментария </a:t>
+            </a:r>
+            <a:r>
+              <a:rPr lang="ru-RU" sz="2400" dirty="0" err="1" smtClean="0">
+                <a:latin typeface="+mj-lt"/>
+              </a:rPr>
+              <a:t>Qt</a:t>
+            </a:r>
+            <a:endParaRPr lang="en-US" dirty="0" smtClean="0">
+              <a:latin typeface="+mj-lt"/>
+            </a:endParaRPr>
+          </a:p>
+          <a:p>
+            <a:r>
+              <a:rPr lang="en-US" dirty="0" smtClean="0">
+                <a:latin typeface="+mj-lt"/>
+              </a:rPr>
+              <a:t>Pillow – </a:t>
+            </a:r>
+            <a:r>
+              <a:rPr lang="ru-RU" sz="2400" dirty="0">
+                <a:latin typeface="+mj-lt"/>
+              </a:rPr>
+              <a:t>библиотека языка </a:t>
+            </a:r>
+            <a:r>
+              <a:rPr lang="ru-RU" sz="2400" dirty="0" err="1">
+                <a:latin typeface="+mj-lt"/>
+              </a:rPr>
+              <a:t>Python</a:t>
+            </a:r>
+            <a:r>
+              <a:rPr lang="ru-RU" sz="2400" dirty="0">
+                <a:latin typeface="+mj-lt"/>
+              </a:rPr>
+              <a:t>, предназначенная для работы с растровой </a:t>
+            </a:r>
+            <a:r>
+              <a:rPr lang="ru-RU" sz="2400" dirty="0" smtClean="0">
+                <a:latin typeface="+mj-lt"/>
+              </a:rPr>
+              <a:t>графикой</a:t>
+            </a:r>
+            <a:endParaRPr lang="en-US" dirty="0">
+              <a:latin typeface="+mj-lt"/>
+            </a:endParaRPr>
+          </a:p>
+          <a:p>
+            <a:r>
+              <a:rPr lang="en-US" dirty="0" err="1" smtClean="0">
+                <a:latin typeface="+mj-lt"/>
+              </a:rPr>
               <a:t>Webptools</a:t>
             </a:r>
             <a:r>
-              <a:rPr lang="en-US" sz="2600" dirty="0" smtClean="0"/>
+              <a:rPr lang="en-US" dirty="0" smtClean="0">
+                <a:latin typeface="+mj-lt"/>
+              </a:rPr>
               <a:t> – </a:t>
             </a:r>
             <a:r>
-              <a:rPr lang="ru-RU" sz="2600" dirty="0" err="1" smtClean="0"/>
+              <a:rPr lang="ru-RU" sz="2400" dirty="0" err="1">
+                <a:latin typeface="+mj-lt"/>
+              </a:rPr>
               <a:t>фреймворк</a:t>
             </a:r>
             <a:r>
-              <a:rPr lang="ru-RU" sz="2600" dirty="0" smtClean="0"/>
-              <a:t> веб-приложений</a:t>
-            </a:r>
-            <a:endParaRPr lang="en-US" sz="2600" dirty="0"/>
-          </a:p>
-          <a:p>
-            <a:r>
-              <a:rPr lang="en-US" sz="2600" dirty="0" err="1" smtClean="0"/>
-              <a:t>Aspose</a:t>
-            </a:r>
-            <a:r>
-              <a:rPr lang="en-US" sz="2600" dirty="0" smtClean="0"/>
-              <a:t> – API </a:t>
-            </a:r>
-            <a:r>
-              <a:rPr lang="ru-RU" sz="2600" dirty="0" smtClean="0"/>
-              <a:t>интерфейс </a:t>
-            </a:r>
-            <a:r>
-              <a:rPr lang="ru-RU" sz="2600" dirty="0"/>
-              <a:t>обработки документов</a:t>
-            </a:r>
-            <a:endParaRPr lang="en-US" sz="2600" dirty="0"/>
-          </a:p>
-          <a:p>
-            <a:r>
-              <a:rPr lang="en-US" sz="2600" dirty="0" err="1" smtClean="0"/>
-              <a:t>os</a:t>
-            </a:r>
-            <a:r>
-              <a:rPr lang="ru-RU" sz="2600" dirty="0" smtClean="0"/>
-              <a:t> – это</a:t>
-            </a:r>
-            <a:r>
-              <a:rPr lang="ru-RU" sz="2600" dirty="0"/>
-              <a:t> библиотека функций для работы с операционной системой.</a:t>
-            </a:r>
-            <a:endParaRPr lang="en-US" sz="2600" dirty="0"/>
-          </a:p>
-          <a:p>
-            <a:r>
-              <a:rPr lang="en-US" sz="2600" dirty="0" smtClean="0"/>
-              <a:t>Glob</a:t>
-            </a:r>
-            <a:r>
-              <a:rPr lang="ru-RU" sz="2600" dirty="0" smtClean="0"/>
-              <a:t> – модуль, который </a:t>
-            </a:r>
-            <a:r>
-              <a:rPr lang="ru-RU" sz="2600" dirty="0"/>
-              <a:t>находит все пути, совпадающие с заданным шаблоном в соответствии с </a:t>
-            </a:r>
-            <a:r>
-              <a:rPr lang="ru-RU" sz="2600" dirty="0" smtClean="0"/>
-              <a:t>правилами</a:t>
-            </a:r>
-            <a:endParaRPr lang="en-US" sz="2600" dirty="0"/>
-          </a:p>
-          <a:p>
-            <a:endParaRPr lang="ru-RU" dirty="0" smtClean="0"/>
+              <a:rPr lang="ru-RU" sz="2400" dirty="0">
+                <a:latin typeface="+mj-lt"/>
+              </a:rPr>
+              <a:t> </a:t>
+            </a:r>
+            <a:r>
+              <a:rPr lang="ru-RU" sz="2400" dirty="0" smtClean="0">
+                <a:latin typeface="+mj-lt"/>
+              </a:rPr>
+              <a:t>веб-приложений</a:t>
+            </a:r>
+            <a:endParaRPr lang="en-US" sz="2400" dirty="0">
+              <a:latin typeface="+mj-lt"/>
+            </a:endParaRPr>
+          </a:p>
+          <a:p>
+            <a:r>
+              <a:rPr lang="en-US" dirty="0" err="1" smtClean="0">
+                <a:latin typeface="+mj-lt"/>
+              </a:rPr>
+              <a:t>Svglib</a:t>
+            </a:r>
+            <a:r>
+              <a:rPr lang="ru-RU" dirty="0" smtClean="0">
+                <a:latin typeface="+mj-lt"/>
+              </a:rPr>
+              <a:t> </a:t>
+            </a:r>
+            <a:r>
+              <a:rPr lang="ru-RU" dirty="0">
+                <a:latin typeface="+mj-lt"/>
+              </a:rPr>
+              <a:t>— </a:t>
+            </a:r>
+            <a:r>
+              <a:rPr lang="ru-RU" sz="2400" dirty="0">
+                <a:latin typeface="+mj-lt"/>
+              </a:rPr>
+              <a:t>это библиотека на чистом </a:t>
+            </a:r>
+            <a:r>
+              <a:rPr lang="ru-RU" sz="2400" dirty="0" err="1">
+                <a:latin typeface="+mj-lt"/>
+              </a:rPr>
+              <a:t>Python</a:t>
+            </a:r>
+            <a:r>
+              <a:rPr lang="ru-RU" sz="2400" dirty="0">
+                <a:latin typeface="+mj-lt"/>
+              </a:rPr>
+              <a:t> для чтения файлов SVG и их </a:t>
+            </a:r>
+            <a:r>
+              <a:rPr lang="ru-RU" sz="2400" dirty="0" smtClean="0">
+                <a:latin typeface="+mj-lt"/>
+              </a:rPr>
+              <a:t>преобразования в </a:t>
+            </a:r>
+            <a:r>
+              <a:rPr lang="ru-RU" sz="2400" dirty="0">
+                <a:latin typeface="+mj-lt"/>
+              </a:rPr>
+              <a:t>другие форматы с использованием набора инструментов ReportLab </a:t>
+            </a:r>
+            <a:endParaRPr lang="ru-RU" sz="2400" dirty="0" smtClean="0">
+              <a:latin typeface="+mj-lt"/>
+            </a:endParaRPr>
           </a:p>
           <a:p>
             <a:pPr marL="0" indent="0">
@@ -6425,6 +6934,13 @@
   <p:clrMapOvr>
     <a:masterClrMapping/>
   </p:clrMapOvr>
+  <p:timing>
+    <p:tnLst>
+      <p:par>
+        <p:cTn id="1" dur="indefinite" restart="never" nodeType="tmRoot"/>
+      </p:par>
+    </p:tnLst>
+  </p:timing>
 </p:sld>
 </file>
 
@@ -6485,6 +7001,13 @@
   <p:clrMapOvr>
     <a:masterClrMapping/>
   </p:clrMapOvr>
+  <p:timing>
+    <p:tnLst>
+      <p:par>
+        <p:cTn id="1" dur="indefinite" restart="never" nodeType="tmRoot"/>
+      </p:par>
+    </p:tnLst>
+  </p:timing>
 </p:sld>
 </file>
 
@@ -6499,34 +7022,34 @@
         <a:sysClr val="window" lastClr="FFFFFF"/>
       </a:lt1>
       <a:dk2>
-        <a:srgbClr val="454551"/>
+        <a:srgbClr val="455F51"/>
       </a:dk2>
       <a:lt2>
-        <a:srgbClr val="F2ACD2"/>
+        <a:srgbClr val="94D7E4"/>
       </a:lt2>
       <a:accent1>
-        <a:srgbClr val="E32D91"/>
+        <a:srgbClr val="41AEBD"/>
       </a:accent1>
       <a:accent2>
-        <a:srgbClr val="C830CC"/>
+        <a:srgbClr val="97E9D5"/>
       </a:accent2>
       <a:accent3>
-        <a:srgbClr val="4EA6DC"/>
+        <a:srgbClr val="A2CF49"/>
       </a:accent3>
       <a:accent4>
-        <a:srgbClr val="4775E7"/>
+        <a:srgbClr val="608F3D"/>
       </a:accent4>
       <a:accent5>
-        <a:srgbClr val="8971E1"/>
+        <a:srgbClr val="F4DE3A"/>
       </a:accent5>
       <a:accent6>
-        <a:srgbClr val="D54773"/>
+        <a:srgbClr val="FCB11C"/>
       </a:accent6>
       <a:hlink>
-        <a:srgbClr val="6B9F25"/>
+        <a:srgbClr val="FBCA98"/>
       </a:hlink>
       <a:folHlink>
-        <a:srgbClr val="8C8C8C"/>
+        <a:srgbClr val="D3B86D"/>
       </a:folHlink>
     </a:clrScheme>
     <a:fontScheme name="Times New Roman/Arial">
@@ -6743,7 +7266,268 @@
   <a:extraClrSchemeLst/>
   <a:extLst>
     <a:ext uri="{05A4C25C-085E-4340-85A3-A5531E510DB2}">
-      <thm15:themeFamily xmlns:thm15="http://schemas.microsoft.com/office/thememl/2012/main" name="Depth" id="{7BEAFC2A-325C-49C4-AC08-2B765DA903F9}" vid="{3016C5A4-E631-4977-A608-ACFB47552625}"/>
+      <thm15:themeFamily xmlns:thm15="http://schemas.microsoft.com/office/thememl/2012/main" name="Depth" id="{7BEAFC2A-325C-49C4-AC08-2B765DA903F9}" vid="{1735E755-43E6-43AA-ABA2-C989ECC79AF5}"/>
+    </a:ext>
+  </a:extLst>
+</a:theme>
+</file>
+
+<file path=ppt/theme/theme2.xml><?xml version="1.0" encoding="utf-8"?>
+<a:theme xmlns:a="http://schemas.openxmlformats.org/drawingml/2006/main" name="Тема Office">
+  <a:themeElements>
+    <a:clrScheme name="Стандартная">
+      <a:dk1>
+        <a:sysClr val="windowText" lastClr="000000"/>
+      </a:dk1>
+      <a:lt1>
+        <a:sysClr val="window" lastClr="FFFFFF"/>
+      </a:lt1>
+      <a:dk2>
+        <a:srgbClr val="44546A"/>
+      </a:dk2>
+      <a:lt2>
+        <a:srgbClr val="E7E6E6"/>
+      </a:lt2>
+      <a:accent1>
+        <a:srgbClr val="5B9BD5"/>
+      </a:accent1>
+      <a:accent2>
+        <a:srgbClr val="ED7D31"/>
+      </a:accent2>
+      <a:accent3>
+        <a:srgbClr val="A5A5A5"/>
+      </a:accent3>
+      <a:accent4>
+        <a:srgbClr val="FFC000"/>
+      </a:accent4>
+      <a:accent5>
+        <a:srgbClr val="4472C4"/>
+      </a:accent5>
+      <a:accent6>
+        <a:srgbClr val="70AD47"/>
+      </a:accent6>
+      <a:hlink>
+        <a:srgbClr val="0563C1"/>
+      </a:hlink>
+      <a:folHlink>
+        <a:srgbClr val="954F72"/>
+      </a:folHlink>
+    </a:clrScheme>
+    <a:fontScheme name="Стандартная">
+      <a:majorFont>
+        <a:latin typeface="Calibri Light" panose="020F0302020204030204"/>
+        <a:ea typeface=""/>
+        <a:cs typeface=""/>
+        <a:font script="Jpan" typeface="游ゴシック Light"/>
+        <a:font script="Hang" typeface="맑은 고딕"/>
+        <a:font script="Hans" typeface="等线 Light"/>
+        <a:font script="Hant" typeface="新細明體"/>
+        <a:font script="Arab" typeface="Times New Roman"/>
+        <a:font script="Hebr" typeface="Times New Roman"/>
+        <a:font script="Thai" typeface="Angsana New"/>
+        <a:font script="Ethi" typeface="Nyala"/>
+        <a:font script="Beng" typeface="Vrinda"/>
+        <a:font script="Gujr" typeface="Shruti"/>
+        <a:font script="Khmr" typeface="MoolBoran"/>
+        <a:font script="Knda" typeface="Tunga"/>
+        <a:font script="Guru" typeface="Raavi"/>
+        <a:font script="Cans" typeface="Euphemia"/>
+        <a:font script="Cher" typeface="Plantagenet Cherokee"/>
+        <a:font script="Yiii" typeface="Microsoft Yi Baiti"/>
+        <a:font script="Tibt" typeface="Microsoft Himalaya"/>
+        <a:font script="Thaa" typeface="MV Boli"/>
+        <a:font script="Deva" typeface="Mangal"/>
+        <a:font script="Telu" typeface="Gautami"/>
+        <a:font script="Taml" typeface="Latha"/>
+        <a:font script="Syrc" typeface="Estrangelo Edessa"/>
+        <a:font script="Orya" typeface="Kalinga"/>
+        <a:font script="Mlym" typeface="Kartika"/>
+        <a:font script="Laoo" typeface="DokChampa"/>
+        <a:font script="Sinh" typeface="Iskoola Pota"/>
+        <a:font script="Mong" typeface="Mongolian Baiti"/>
+        <a:font script="Viet" typeface="Times New Roman"/>
+        <a:font script="Uigh" typeface="Microsoft Uighur"/>
+        <a:font script="Geor" typeface="Sylfaen"/>
+      </a:majorFont>
+      <a:minorFont>
+        <a:latin typeface="Calibri" panose="020F0502020204030204"/>
+        <a:ea typeface=""/>
+        <a:cs typeface=""/>
+        <a:font script="Jpan" typeface="游ゴシック"/>
+        <a:font script="Hang" typeface="맑은 고딕"/>
+        <a:font script="Hans" typeface="等线"/>
+        <a:font script="Hant" typeface="新細明體"/>
+        <a:font script="Arab" typeface="Arial"/>
+        <a:font script="Hebr" typeface="Arial"/>
+        <a:font script="Thai" typeface="Cordia New"/>
+        <a:font script="Ethi" typeface="Nyala"/>
+        <a:font script="Beng" typeface="Vrinda"/>
+        <a:font script="Gujr" typeface="Shruti"/>
+        <a:font script="Khmr" typeface="DaunPenh"/>
+        <a:font script="Knda" typeface="Tunga"/>
+        <a:font script="Guru" typeface="Raavi"/>
+        <a:font script="Cans" typeface="Euphemia"/>
+        <a:font script="Cher" typeface="Plantagenet Cherokee"/>
+        <a:font script="Yiii" typeface="Microsoft Yi Baiti"/>
+        <a:font script="Tibt" typeface="Microsoft Himalaya"/>
+        <a:font script="Thaa" typeface="MV Boli"/>
+        <a:font script="Deva" typeface="Mangal"/>
+        <a:font script="Telu" typeface="Gautami"/>
+        <a:font script="Taml" typeface="Latha"/>
+        <a:font script="Syrc" typeface="Estrangelo Edessa"/>
+        <a:font script="Orya" typeface="Kalinga"/>
+        <a:font script="Mlym" typeface="Kartika"/>
+        <a:font script="Laoo" typeface="DokChampa"/>
+        <a:font script="Sinh" typeface="Iskoola Pota"/>
+        <a:font script="Mong" typeface="Mongolian Baiti"/>
+        <a:font script="Viet" typeface="Arial"/>
+        <a:font script="Uigh" typeface="Microsoft Uighur"/>
+        <a:font script="Geor" typeface="Sylfaen"/>
+      </a:minorFont>
+    </a:fontScheme>
+    <a:fmtScheme name="Стандартная">
+      <a:fillStyleLst>
+        <a:solidFill>
+          <a:schemeClr val="phClr"/>
+        </a:solidFill>
+        <a:gradFill rotWithShape="1">
+          <a:gsLst>
+            <a:gs pos="0">
+              <a:schemeClr val="phClr">
+                <a:lumMod val="110000"/>
+                <a:satMod val="105000"/>
+                <a:tint val="67000"/>
+              </a:schemeClr>
+            </a:gs>
+            <a:gs pos="50000">
+              <a:schemeClr val="phClr">
+                <a:lumMod val="105000"/>
+                <a:satMod val="103000"/>
+                <a:tint val="73000"/>
+              </a:schemeClr>
+            </a:gs>
+            <a:gs pos="100000">
+              <a:schemeClr val="phClr">
+                <a:lumMod val="105000"/>
+                <a:satMod val="109000"/>
+                <a:tint val="81000"/>
+              </a:schemeClr>
+            </a:gs>
+          </a:gsLst>
+          <a:lin ang="5400000" scaled="0"/>
+        </a:gradFill>
+        <a:gradFill rotWithShape="1">
+          <a:gsLst>
+            <a:gs pos="0">
+              <a:schemeClr val="phClr">
+                <a:satMod val="103000"/>
+                <a:lumMod val="102000"/>
+                <a:tint val="94000"/>
+              </a:schemeClr>
+            </a:gs>
+            <a:gs pos="50000">
+              <a:schemeClr val="phClr">
+                <a:satMod val="110000"/>
+                <a:lumMod val="100000"/>
+                <a:shade val="100000"/>
+              </a:schemeClr>
+            </a:gs>
+            <a:gs pos="100000">
+              <a:schemeClr val="phClr">
+                <a:lumMod val="99000"/>
+                <a:satMod val="120000"/>
+                <a:shade val="78000"/>
+              </a:schemeClr>
+            </a:gs>
+          </a:gsLst>
+          <a:lin ang="5400000" scaled="0"/>
+        </a:gradFill>
+      </a:fillStyleLst>
+      <a:lnStyleLst>
+        <a:ln w="6350" cap="flat" cmpd="sng" algn="ctr">
+          <a:solidFill>
+            <a:schemeClr val="phClr"/>
+          </a:solidFill>
+          <a:prstDash val="solid"/>
+          <a:miter lim="800000"/>
+        </a:ln>
+        <a:ln w="12700" cap="flat" cmpd="sng" algn="ctr">
+          <a:solidFill>
+            <a:schemeClr val="phClr"/>
+          </a:solidFill>
+          <a:prstDash val="solid"/>
+          <a:miter lim="800000"/>
+        </a:ln>
+        <a:ln w="19050" cap="flat" cmpd="sng" algn="ctr">
+          <a:solidFill>
+            <a:schemeClr val="phClr"/>
+          </a:solidFill>
+          <a:prstDash val="solid"/>
+          <a:miter lim="800000"/>
+        </a:ln>
+      </a:lnStyleLst>
+      <a:effectStyleLst>
+        <a:effectStyle>
+          <a:effectLst/>
+        </a:effectStyle>
+        <a:effectStyle>
+          <a:effectLst/>
+        </a:effectStyle>
+        <a:effectStyle>
+          <a:effectLst>
+            <a:outerShdw blurRad="57150" dist="19050" dir="5400000" algn="ctr" rotWithShape="0">
+              <a:srgbClr val="000000">
+                <a:alpha val="63000"/>
+              </a:srgbClr>
+            </a:outerShdw>
+          </a:effectLst>
+        </a:effectStyle>
+      </a:effectStyleLst>
+      <a:bgFillStyleLst>
+        <a:solidFill>
+          <a:schemeClr val="phClr"/>
+        </a:solidFill>
+        <a:solidFill>
+          <a:schemeClr val="phClr">
+            <a:tint val="95000"/>
+            <a:satMod val="170000"/>
+          </a:schemeClr>
+        </a:solidFill>
+        <a:gradFill rotWithShape="1">
+          <a:gsLst>
+            <a:gs pos="0">
+              <a:schemeClr val="phClr">
+                <a:tint val="93000"/>
+                <a:satMod val="150000"/>
+                <a:shade val="98000"/>
+                <a:lumMod val="102000"/>
+              </a:schemeClr>
+            </a:gs>
+            <a:gs pos="50000">
+              <a:schemeClr val="phClr">
+                <a:tint val="98000"/>
+                <a:satMod val="130000"/>
+                <a:shade val="90000"/>
+                <a:lumMod val="103000"/>
+              </a:schemeClr>
+            </a:gs>
+            <a:gs pos="100000">
+              <a:schemeClr val="phClr">
+                <a:shade val="63000"/>
+                <a:satMod val="120000"/>
+              </a:schemeClr>
+            </a:gs>
+          </a:gsLst>
+          <a:lin ang="5400000" scaled="0"/>
+        </a:gradFill>
+      </a:bgFillStyleLst>
+    </a:fmtScheme>
+  </a:themeElements>
+  <a:objectDefaults/>
+  <a:extraClrSchemeLst/>
+  <a:extLst>
+    <a:ext uri="{05A4C25C-085E-4340-85A3-A5531E510DB2}">
+      <thm15:themeFamily xmlns:thm15="http://schemas.microsoft.com/office/thememl/2012/main" name="Office Theme" id="{62F939B6-93AF-4DB8-9C6B-D6C7DFDC589F}" vid="{4A3C46E8-61CC-4603-A589-7422A47A8E4A}"/>
     </a:ext>
   </a:extLst>
 </a:theme>
